--- a/corpora_0824.pptx
+++ b/corpora_0824.pptx
@@ -353,7 +353,7 @@
           <a:p>
             <a:fld id="{9F1E0F38-215A-184B-9A66-026E7DBC7BFE}" type="datetimeFigureOut">
               <a:rPr lang="en-US" smtClean="0"/>
-              <a:t>8/20/18</a:t>
+              <a:t>8/23/18</a:t>
             </a:fld>
             <a:endParaRPr lang="en-US"/>
           </a:p>
@@ -1421,7 +1421,163 @@
           <a:lstStyle/>
           <a:p>
             <a:pPr eaLnBrk="1" hangingPunct="1"/>
-            <a:endParaRPr lang="en-US"/>
+            <a:r>
+              <a:rPr lang="en-US" dirty="0"/>
+              <a:t>[</a:t>
+            </a:r>
+            <a:r>
+              <a:rPr lang="en-US" dirty="0" err="1"/>
+              <a:t>Ww</a:t>
+            </a:r>
+            <a:r>
+              <a:rPr lang="en-US" dirty="0"/>
+              <a:t>]</a:t>
+            </a:r>
+          </a:p>
+          <a:p>
+            <a:pPr eaLnBrk="1" hangingPunct="1"/>
+            <a:r>
+              <a:rPr lang="en-US" dirty="0"/>
+              <a:t>[</a:t>
+            </a:r>
+            <a:r>
+              <a:rPr lang="en-US" dirty="0" err="1"/>
+              <a:t>em</a:t>
+            </a:r>
+            <a:r>
+              <a:rPr lang="en-US" dirty="0"/>
+              <a:t>]</a:t>
+            </a:r>
+          </a:p>
+          <a:p>
+            <a:pPr eaLnBrk="1" hangingPunct="1"/>
+            <a:r>
+              <a:rPr lang="en-US" dirty="0"/>
+              <a:t>[A-Z]</a:t>
+            </a:r>
+          </a:p>
+          <a:p>
+            <a:pPr eaLnBrk="1" hangingPunct="1"/>
+            <a:r>
+              <a:rPr lang="en-US" dirty="0"/>
+              <a:t>[a-z]</a:t>
+            </a:r>
+          </a:p>
+          <a:p>
+            <a:pPr eaLnBrk="1" hangingPunct="1"/>
+            <a:r>
+              <a:rPr lang="en-US" dirty="0"/>
+              <a:t>[A-</a:t>
+            </a:r>
+            <a:r>
+              <a:rPr lang="en-US" dirty="0" err="1"/>
+              <a:t>Za</a:t>
+            </a:r>
+            <a:r>
+              <a:rPr lang="en-US" dirty="0"/>
+              <a:t>-z]</a:t>
+            </a:r>
+          </a:p>
+          <a:p>
+            <a:pPr eaLnBrk="1" hangingPunct="1"/>
+            <a:r>
+              <a:rPr lang="en-US" dirty="0"/>
+              <a:t>[ !]</a:t>
+            </a:r>
+          </a:p>
+          <a:p>
+            <a:pPr eaLnBrk="1" hangingPunct="1"/>
+            <a:r>
+              <a:rPr lang="en-US" dirty="0"/>
+              <a:t>(slide)</a:t>
+            </a:r>
+          </a:p>
+          <a:p>
+            <a:pPr eaLnBrk="1" hangingPunct="1"/>
+            <a:r>
+              <a:rPr lang="en-US" dirty="0"/>
+              <a:t>[^A-Z]</a:t>
+            </a:r>
+          </a:p>
+          <a:p>
+            <a:pPr eaLnBrk="1" hangingPunct="1"/>
+            <a:r>
+              <a:rPr lang="en-US" dirty="0"/>
+              <a:t>[^A-</a:t>
+            </a:r>
+            <a:r>
+              <a:rPr lang="en-US" dirty="0" err="1"/>
+              <a:t>Za</a:t>
+            </a:r>
+            <a:r>
+              <a:rPr lang="en-US" dirty="0"/>
+              <a:t>-z]</a:t>
+            </a:r>
+          </a:p>
+          <a:p>
+            <a:pPr eaLnBrk="1" hangingPunct="1"/>
+            <a:r>
+              <a:rPr lang="en-US" dirty="0"/>
+              <a:t>(slide)</a:t>
+            </a:r>
+          </a:p>
+          <a:p>
+            <a:pPr eaLnBrk="1" hangingPunct="1"/>
+            <a:r>
+              <a:rPr lang="en-US" dirty="0" err="1"/>
+              <a:t>looked|step</a:t>
+            </a:r>
+            <a:endParaRPr lang="en-US" dirty="0"/>
+          </a:p>
+          <a:p>
+            <a:pPr eaLnBrk="1" hangingPunct="1"/>
+            <a:r>
+              <a:rPr lang="en-US" dirty="0" err="1"/>
+              <a:t>at|ook</a:t>
+            </a:r>
+            <a:endParaRPr lang="en-US" dirty="0"/>
+          </a:p>
+          <a:p>
+            <a:pPr eaLnBrk="1" hangingPunct="1"/>
+            <a:r>
+              <a:rPr lang="en-US" dirty="0"/>
+              <a:t>(slide)</a:t>
+            </a:r>
+          </a:p>
+          <a:p>
+            <a:pPr eaLnBrk="1" hangingPunct="1"/>
+            <a:r>
+              <a:rPr lang="en-US" dirty="0"/>
+              <a:t>o</a:t>
+            </a:r>
+          </a:p>
+          <a:p>
+            <a:pPr eaLnBrk="1" hangingPunct="1"/>
+            <a:r>
+              <a:rPr lang="en-US" dirty="0"/>
+              <a:t>o+</a:t>
+            </a:r>
+          </a:p>
+          <a:p>
+            <a:pPr eaLnBrk="1" hangingPunct="1"/>
+            <a:r>
+              <a:rPr lang="en-US" dirty="0"/>
+              <a:t>^[A-Z]</a:t>
+            </a:r>
+          </a:p>
+          <a:p>
+            <a:pPr eaLnBrk="1" hangingPunct="1"/>
+            <a:r>
+              <a:rPr lang="en-US" dirty="0"/>
+              <a:t>[!.]$</a:t>
+            </a:r>
+          </a:p>
+          <a:p>
+            <a:pPr eaLnBrk="1" hangingPunct="1"/>
+            <a:r>
+              <a:rPr lang="en-US" dirty="0"/>
+              <a:t>\. vs .</a:t>
+            </a:r>
           </a:p>
         </p:txBody>
       </p:sp>
@@ -1625,7 +1781,7 @@
           <a:lstStyle/>
           <a:p>
             <a:pPr eaLnBrk="1" hangingPunct="1"/>
-            <a:endParaRPr lang="en-US"/>
+            <a:endParaRPr lang="en-US" dirty="0"/>
           </a:p>
         </p:txBody>
       </p:sp>
@@ -1674,14 +1830,14 @@
           <a:ln/>
           <a:extLst>
             <a:ext uri="{909E8E84-426E-40dd-AFC4-6F175D3DCCD1}">
-              <a14:hiddenFill xmlns="" xmlns:a14="http://schemas.microsoft.com/office/drawing/2010/main">
+              <a14:hiddenFill xmlns:a14="http://schemas.microsoft.com/office/drawing/2010/main" xmlns="">
                 <a:solidFill>
                   <a:srgbClr val="FFFFFF"/>
                 </a:solidFill>
               </a14:hiddenFill>
             </a:ext>
             <a:ext uri="{91240B29-F687-4f45-9708-019B960494DF}">
-              <a14:hiddenLine xmlns="" xmlns:a14="http://schemas.microsoft.com/office/drawing/2010/main" w="9525">
+              <a14:hiddenLine xmlns:a14="http://schemas.microsoft.com/office/drawing/2010/main" xmlns="" w="9525">
                 <a:solidFill>
                   <a:srgbClr val="000000"/>
                 </a:solidFill>
@@ -1846,17 +2002,17 @@
           <a:ln/>
           <a:extLst>
             <a:ext uri="{FAA26D3D-D897-4be2-8F04-BA451C77F1D7}">
-              <ma14:placeholderFlag xmlns:ma14="http://schemas.microsoft.com/office/mac/drawingml/2011/main" xmlns="" val="1"/>
+              <ma14:placeholderFlag xmlns="" xmlns:ma14="http://schemas.microsoft.com/office/mac/drawingml/2011/main" val="1"/>
             </a:ext>
             <a:ext uri="{909E8E84-426E-40dd-AFC4-6F175D3DCCD1}">
-              <a14:hiddenFill xmlns="" xmlns:a14="http://schemas.microsoft.com/office/drawing/2010/main">
+              <a14:hiddenFill xmlns:a14="http://schemas.microsoft.com/office/drawing/2010/main" xmlns="">
                 <a:solidFill>
                   <a:srgbClr val="FFFFFF"/>
                 </a:solidFill>
               </a14:hiddenFill>
             </a:ext>
             <a:ext uri="{91240B29-F687-4f45-9708-019B960494DF}">
-              <a14:hiddenLine xmlns="" xmlns:a14="http://schemas.microsoft.com/office/drawing/2010/main" w="9525">
+              <a14:hiddenLine xmlns:a14="http://schemas.microsoft.com/office/drawing/2010/main" xmlns="" w="9525">
                 <a:solidFill>
                   <a:srgbClr val="000000"/>
                 </a:solidFill>
@@ -3543,14 +3699,14 @@
           <a:ln/>
           <a:extLst>
             <a:ext uri="{909E8E84-426E-40dd-AFC4-6F175D3DCCD1}">
-              <a14:hiddenFill xmlns="" xmlns:a14="http://schemas.microsoft.com/office/drawing/2010/main">
+              <a14:hiddenFill xmlns:a14="http://schemas.microsoft.com/office/drawing/2010/main" xmlns="">
                 <a:solidFill>
                   <a:srgbClr val="FFFFFF"/>
                 </a:solidFill>
               </a14:hiddenFill>
             </a:ext>
             <a:ext uri="{91240B29-F687-4f45-9708-019B960494DF}">
-              <a14:hiddenLine xmlns="" xmlns:a14="http://schemas.microsoft.com/office/drawing/2010/main" w="9525">
+              <a14:hiddenLine xmlns:a14="http://schemas.microsoft.com/office/drawing/2010/main" xmlns="" w="9525">
                 <a:solidFill>
                   <a:srgbClr val="000000"/>
                 </a:solidFill>
@@ -3715,17 +3871,17 @@
           <a:ln/>
           <a:extLst>
             <a:ext uri="{FAA26D3D-D897-4be2-8F04-BA451C77F1D7}">
-              <ma14:placeholderFlag xmlns:ma14="http://schemas.microsoft.com/office/mac/drawingml/2011/main" xmlns="" val="1"/>
+              <ma14:placeholderFlag xmlns="" xmlns:ma14="http://schemas.microsoft.com/office/mac/drawingml/2011/main" val="1"/>
             </a:ext>
             <a:ext uri="{909E8E84-426E-40dd-AFC4-6F175D3DCCD1}">
-              <a14:hiddenFill xmlns="" xmlns:a14="http://schemas.microsoft.com/office/drawing/2010/main">
+              <a14:hiddenFill xmlns:a14="http://schemas.microsoft.com/office/drawing/2010/main" xmlns="">
                 <a:solidFill>
                   <a:srgbClr val="FFFFFF"/>
                 </a:solidFill>
               </a14:hiddenFill>
             </a:ext>
             <a:ext uri="{91240B29-F687-4f45-9708-019B960494DF}">
-              <a14:hiddenLine xmlns="" xmlns:a14="http://schemas.microsoft.com/office/drawing/2010/main" w="9525">
+              <a14:hiddenLine xmlns:a14="http://schemas.microsoft.com/office/drawing/2010/main" xmlns="" w="9525">
                 <a:solidFill>
                   <a:srgbClr val="000000"/>
                 </a:solidFill>
@@ -3909,6 +4065,175 @@
               </a:rPr>
               <a:t> other one there, the blithe one</a:t>
             </a:r>
+          </a:p>
+          <a:p>
+            <a:endParaRPr lang="en-US" baseline="0" dirty="0">
+              <a:latin typeface="Arial" charset="0"/>
+              <a:ea typeface="ＭＳ Ｐゴシック" charset="0"/>
+              <a:cs typeface="ＭＳ Ｐゴシック" charset="0"/>
+            </a:endParaRPr>
+          </a:p>
+          <a:p>
+            <a:pPr eaLnBrk="1" hangingPunct="1"/>
+            <a:r>
+              <a:rPr lang="en-US" dirty="0"/>
+              <a:t>[</a:t>
+            </a:r>
+            <a:r>
+              <a:rPr lang="en-US" dirty="0" err="1"/>
+              <a:t>Ww</a:t>
+            </a:r>
+            <a:r>
+              <a:rPr lang="en-US" dirty="0"/>
+              <a:t>]</a:t>
+            </a:r>
+          </a:p>
+          <a:p>
+            <a:pPr eaLnBrk="1" hangingPunct="1"/>
+            <a:r>
+              <a:rPr lang="en-US" dirty="0"/>
+              <a:t>[</a:t>
+            </a:r>
+            <a:r>
+              <a:rPr lang="en-US" dirty="0" err="1"/>
+              <a:t>em</a:t>
+            </a:r>
+            <a:r>
+              <a:rPr lang="en-US" dirty="0"/>
+              <a:t>]</a:t>
+            </a:r>
+          </a:p>
+          <a:p>
+            <a:pPr eaLnBrk="1" hangingPunct="1"/>
+            <a:r>
+              <a:rPr lang="en-US" dirty="0"/>
+              <a:t>[A-Z]</a:t>
+            </a:r>
+          </a:p>
+          <a:p>
+            <a:pPr eaLnBrk="1" hangingPunct="1"/>
+            <a:r>
+              <a:rPr lang="en-US" dirty="0"/>
+              <a:t>[a-z]</a:t>
+            </a:r>
+          </a:p>
+          <a:p>
+            <a:pPr eaLnBrk="1" hangingPunct="1"/>
+            <a:r>
+              <a:rPr lang="en-US" dirty="0"/>
+              <a:t>[A-</a:t>
+            </a:r>
+            <a:r>
+              <a:rPr lang="en-US" dirty="0" err="1"/>
+              <a:t>Za</a:t>
+            </a:r>
+            <a:r>
+              <a:rPr lang="en-US" dirty="0"/>
+              <a:t>-z]</a:t>
+            </a:r>
+          </a:p>
+          <a:p>
+            <a:pPr eaLnBrk="1" hangingPunct="1"/>
+            <a:r>
+              <a:rPr lang="en-US" dirty="0"/>
+              <a:t>[ !]</a:t>
+            </a:r>
+          </a:p>
+          <a:p>
+            <a:pPr eaLnBrk="1" hangingPunct="1"/>
+            <a:r>
+              <a:rPr lang="en-US" dirty="0"/>
+              <a:t>(slide)</a:t>
+            </a:r>
+          </a:p>
+          <a:p>
+            <a:pPr eaLnBrk="1" hangingPunct="1"/>
+            <a:r>
+              <a:rPr lang="en-US" dirty="0"/>
+              <a:t>[^A-Z]</a:t>
+            </a:r>
+          </a:p>
+          <a:p>
+            <a:pPr eaLnBrk="1" hangingPunct="1"/>
+            <a:r>
+              <a:rPr lang="en-US" dirty="0"/>
+              <a:t>[^A-</a:t>
+            </a:r>
+            <a:r>
+              <a:rPr lang="en-US" dirty="0" err="1"/>
+              <a:t>Za</a:t>
+            </a:r>
+            <a:r>
+              <a:rPr lang="en-US" dirty="0"/>
+              <a:t>-z]</a:t>
+            </a:r>
+          </a:p>
+          <a:p>
+            <a:pPr eaLnBrk="1" hangingPunct="1"/>
+            <a:r>
+              <a:rPr lang="en-US" dirty="0"/>
+              <a:t>(slide)</a:t>
+            </a:r>
+          </a:p>
+          <a:p>
+            <a:pPr eaLnBrk="1" hangingPunct="1"/>
+            <a:r>
+              <a:rPr lang="en-US" dirty="0" err="1"/>
+              <a:t>looked|step</a:t>
+            </a:r>
+            <a:endParaRPr lang="en-US" dirty="0"/>
+          </a:p>
+          <a:p>
+            <a:pPr eaLnBrk="1" hangingPunct="1"/>
+            <a:r>
+              <a:rPr lang="en-US" dirty="0" err="1"/>
+              <a:t>at|ook</a:t>
+            </a:r>
+            <a:endParaRPr lang="en-US" dirty="0"/>
+          </a:p>
+          <a:p>
+            <a:pPr eaLnBrk="1" hangingPunct="1"/>
+            <a:r>
+              <a:rPr lang="en-US" dirty="0"/>
+              <a:t>(slide)</a:t>
+            </a:r>
+          </a:p>
+          <a:p>
+            <a:pPr eaLnBrk="1" hangingPunct="1"/>
+            <a:r>
+              <a:rPr lang="en-US" dirty="0"/>
+              <a:t>o</a:t>
+            </a:r>
+          </a:p>
+          <a:p>
+            <a:pPr eaLnBrk="1" hangingPunct="1"/>
+            <a:r>
+              <a:rPr lang="en-US" dirty="0"/>
+              <a:t>o+</a:t>
+            </a:r>
+          </a:p>
+          <a:p>
+            <a:pPr eaLnBrk="1" hangingPunct="1"/>
+            <a:r>
+              <a:rPr lang="en-US" dirty="0"/>
+              <a:t>^[A-Z]</a:t>
+            </a:r>
+          </a:p>
+          <a:p>
+            <a:pPr eaLnBrk="1" hangingPunct="1"/>
+            <a:r>
+              <a:rPr lang="en-US" dirty="0"/>
+              <a:t>[!.]$</a:t>
+            </a:r>
+          </a:p>
+          <a:p>
+            <a:pPr eaLnBrk="1" hangingPunct="1"/>
+            <a:r>
+              <a:rPr lang="en-US" dirty="0"/>
+              <a:t>\. vs .</a:t>
+            </a:r>
+          </a:p>
+          <a:p>
             <a:endParaRPr lang="en-US" dirty="0">
               <a:latin typeface="Arial" charset="0"/>
               <a:ea typeface="ＭＳ Ｐゴシック" charset="0"/>
@@ -4059,7 +4384,7 @@
           <a:p>
             <a:fld id="{C8A563C8-30E1-EE49-B86D-0EE4EF74EEEE}" type="datetimeFigureOut">
               <a:rPr lang="en-US" smtClean="0"/>
-              <a:t>8/20/18</a:t>
+              <a:t>8/23/18</a:t>
             </a:fld>
             <a:endParaRPr lang="en-US"/>
           </a:p>
@@ -4227,7 +4552,7 @@
           <a:p>
             <a:fld id="{C8A563C8-30E1-EE49-B86D-0EE4EF74EEEE}" type="datetimeFigureOut">
               <a:rPr lang="en-US" smtClean="0"/>
-              <a:t>8/20/18</a:t>
+              <a:t>8/23/18</a:t>
             </a:fld>
             <a:endParaRPr lang="en-US"/>
           </a:p>
@@ -4405,7 +4730,7 @@
           <a:p>
             <a:fld id="{C8A563C8-30E1-EE49-B86D-0EE4EF74EEEE}" type="datetimeFigureOut">
               <a:rPr lang="en-US" smtClean="0"/>
-              <a:t>8/20/18</a:t>
+              <a:t>8/23/18</a:t>
             </a:fld>
             <a:endParaRPr lang="en-US"/>
           </a:p>
@@ -4573,7 +4898,7 @@
           <a:p>
             <a:fld id="{C8A563C8-30E1-EE49-B86D-0EE4EF74EEEE}" type="datetimeFigureOut">
               <a:rPr lang="en-US" smtClean="0"/>
-              <a:t>8/20/18</a:t>
+              <a:t>8/23/18</a:t>
             </a:fld>
             <a:endParaRPr lang="en-US"/>
           </a:p>
@@ -4818,7 +5143,7 @@
           <a:p>
             <a:fld id="{C8A563C8-30E1-EE49-B86D-0EE4EF74EEEE}" type="datetimeFigureOut">
               <a:rPr lang="en-US" smtClean="0"/>
-              <a:t>8/20/18</a:t>
+              <a:t>8/23/18</a:t>
             </a:fld>
             <a:endParaRPr lang="en-US"/>
           </a:p>
@@ -5047,7 +5372,7 @@
           <a:p>
             <a:fld id="{C8A563C8-30E1-EE49-B86D-0EE4EF74EEEE}" type="datetimeFigureOut">
               <a:rPr lang="en-US" smtClean="0"/>
-              <a:t>8/20/18</a:t>
+              <a:t>8/23/18</a:t>
             </a:fld>
             <a:endParaRPr lang="en-US"/>
           </a:p>
@@ -5411,7 +5736,7 @@
           <a:p>
             <a:fld id="{C8A563C8-30E1-EE49-B86D-0EE4EF74EEEE}" type="datetimeFigureOut">
               <a:rPr lang="en-US" smtClean="0"/>
-              <a:t>8/20/18</a:t>
+              <a:t>8/23/18</a:t>
             </a:fld>
             <a:endParaRPr lang="en-US"/>
           </a:p>
@@ -5528,7 +5853,7 @@
           <a:p>
             <a:fld id="{C8A563C8-30E1-EE49-B86D-0EE4EF74EEEE}" type="datetimeFigureOut">
               <a:rPr lang="en-US" smtClean="0"/>
-              <a:t>8/20/18</a:t>
+              <a:t>8/23/18</a:t>
             </a:fld>
             <a:endParaRPr lang="en-US"/>
           </a:p>
@@ -5623,7 +5948,7 @@
           <a:p>
             <a:fld id="{C8A563C8-30E1-EE49-B86D-0EE4EF74EEEE}" type="datetimeFigureOut">
               <a:rPr lang="en-US" smtClean="0"/>
-              <a:t>8/20/18</a:t>
+              <a:t>8/23/18</a:t>
             </a:fld>
             <a:endParaRPr lang="en-US"/>
           </a:p>
@@ -5898,7 +6223,7 @@
           <a:p>
             <a:fld id="{C8A563C8-30E1-EE49-B86D-0EE4EF74EEEE}" type="datetimeFigureOut">
               <a:rPr lang="en-US" smtClean="0"/>
-              <a:t>8/20/18</a:t>
+              <a:t>8/23/18</a:t>
             </a:fld>
             <a:endParaRPr lang="en-US"/>
           </a:p>
@@ -6150,7 +6475,7 @@
           <a:p>
             <a:fld id="{C8A563C8-30E1-EE49-B86D-0EE4EF74EEEE}" type="datetimeFigureOut">
               <a:rPr lang="en-US" smtClean="0"/>
-              <a:t>8/20/18</a:t>
+              <a:t>8/23/18</a:t>
             </a:fld>
             <a:endParaRPr lang="en-US"/>
           </a:p>
@@ -6361,7 +6686,7 @@
           <a:p>
             <a:fld id="{C8A563C8-30E1-EE49-B86D-0EE4EF74EEEE}" type="datetimeFigureOut">
               <a:rPr lang="en-US" smtClean="0"/>
-              <a:t>8/20/18</a:t>
+              <a:t>8/23/18</a:t>
             </a:fld>
             <a:endParaRPr lang="en-US"/>
           </a:p>
@@ -8457,7 +8782,7 @@
         <p:spPr>
           <a:xfrm>
             <a:off x="2581835" y="5298141"/>
-            <a:ext cx="7610160" cy="461665"/>
+            <a:ext cx="7108164" cy="461665"/>
           </a:xfrm>
           <a:prstGeom prst="rect">
             <a:avLst/>
@@ -8471,12 +8796,8 @@
           <a:lstStyle/>
           <a:p>
             <a:r>
-              <a:rPr lang="en-US" sz="2400" dirty="0" err="1"/>
-              <a:t>Vocareum</a:t>
-            </a:r>
-            <a:r>
               <a:rPr lang="en-US" sz="2400" dirty="0"/>
-              <a:t> Quiz: What is the review given to each (1-5 stars)</a:t>
+              <a:t>Piazza Quiz: What is the review given to each (1-5 stars)</a:t>
             </a:r>
           </a:p>
         </p:txBody>

--- a/corpora_0824.pptx
+++ b/corpora_0824.pptx
@@ -353,7 +353,7 @@
           <a:p>
             <a:fld id="{9F1E0F38-215A-184B-9A66-026E7DBC7BFE}" type="datetimeFigureOut">
               <a:rPr lang="en-US" smtClean="0"/>
-              <a:t>8/23/18</a:t>
+              <a:t>8/28/18</a:t>
             </a:fld>
             <a:endParaRPr lang="en-US"/>
           </a:p>
@@ -1001,7 +1001,10 @@
           <a:lstStyle/>
           <a:p>
             <a:pPr eaLnBrk="1" hangingPunct="1"/>
-            <a:endParaRPr lang="en-US" b="1"/>
+            <a:r>
+              <a:rPr lang="en-US" b="1"/>
+              <a:t>^e^ BUG</a:t>
+            </a:r>
           </a:p>
         </p:txBody>
       </p:sp>
@@ -4384,7 +4387,7 @@
           <a:p>
             <a:fld id="{C8A563C8-30E1-EE49-B86D-0EE4EF74EEEE}" type="datetimeFigureOut">
               <a:rPr lang="en-US" smtClean="0"/>
-              <a:t>8/23/18</a:t>
+              <a:t>8/28/18</a:t>
             </a:fld>
             <a:endParaRPr lang="en-US"/>
           </a:p>
@@ -4552,7 +4555,7 @@
           <a:p>
             <a:fld id="{C8A563C8-30E1-EE49-B86D-0EE4EF74EEEE}" type="datetimeFigureOut">
               <a:rPr lang="en-US" smtClean="0"/>
-              <a:t>8/23/18</a:t>
+              <a:t>8/28/18</a:t>
             </a:fld>
             <a:endParaRPr lang="en-US"/>
           </a:p>
@@ -4730,7 +4733,7 @@
           <a:p>
             <a:fld id="{C8A563C8-30E1-EE49-B86D-0EE4EF74EEEE}" type="datetimeFigureOut">
               <a:rPr lang="en-US" smtClean="0"/>
-              <a:t>8/23/18</a:t>
+              <a:t>8/28/18</a:t>
             </a:fld>
             <a:endParaRPr lang="en-US"/>
           </a:p>
@@ -4898,7 +4901,7 @@
           <a:p>
             <a:fld id="{C8A563C8-30E1-EE49-B86D-0EE4EF74EEEE}" type="datetimeFigureOut">
               <a:rPr lang="en-US" smtClean="0"/>
-              <a:t>8/23/18</a:t>
+              <a:t>8/28/18</a:t>
             </a:fld>
             <a:endParaRPr lang="en-US"/>
           </a:p>
@@ -5143,7 +5146,7 @@
           <a:p>
             <a:fld id="{C8A563C8-30E1-EE49-B86D-0EE4EF74EEEE}" type="datetimeFigureOut">
               <a:rPr lang="en-US" smtClean="0"/>
-              <a:t>8/23/18</a:t>
+              <a:t>8/28/18</a:t>
             </a:fld>
             <a:endParaRPr lang="en-US"/>
           </a:p>
@@ -5372,7 +5375,7 @@
           <a:p>
             <a:fld id="{C8A563C8-30E1-EE49-B86D-0EE4EF74EEEE}" type="datetimeFigureOut">
               <a:rPr lang="en-US" smtClean="0"/>
-              <a:t>8/23/18</a:t>
+              <a:t>8/28/18</a:t>
             </a:fld>
             <a:endParaRPr lang="en-US"/>
           </a:p>
@@ -5736,7 +5739,7 @@
           <a:p>
             <a:fld id="{C8A563C8-30E1-EE49-B86D-0EE4EF74EEEE}" type="datetimeFigureOut">
               <a:rPr lang="en-US" smtClean="0"/>
-              <a:t>8/23/18</a:t>
+              <a:t>8/28/18</a:t>
             </a:fld>
             <a:endParaRPr lang="en-US"/>
           </a:p>
@@ -5853,7 +5856,7 @@
           <a:p>
             <a:fld id="{C8A563C8-30E1-EE49-B86D-0EE4EF74EEEE}" type="datetimeFigureOut">
               <a:rPr lang="en-US" smtClean="0"/>
-              <a:t>8/23/18</a:t>
+              <a:t>8/28/18</a:t>
             </a:fld>
             <a:endParaRPr lang="en-US"/>
           </a:p>
@@ -5948,7 +5951,7 @@
           <a:p>
             <a:fld id="{C8A563C8-30E1-EE49-B86D-0EE4EF74EEEE}" type="datetimeFigureOut">
               <a:rPr lang="en-US" smtClean="0"/>
-              <a:t>8/23/18</a:t>
+              <a:t>8/28/18</a:t>
             </a:fld>
             <a:endParaRPr lang="en-US"/>
           </a:p>
@@ -6223,7 +6226,7 @@
           <a:p>
             <a:fld id="{C8A563C8-30E1-EE49-B86D-0EE4EF74EEEE}" type="datetimeFigureOut">
               <a:rPr lang="en-US" smtClean="0"/>
-              <a:t>8/23/18</a:t>
+              <a:t>8/28/18</a:t>
             </a:fld>
             <a:endParaRPr lang="en-US"/>
           </a:p>
@@ -6475,7 +6478,7 @@
           <a:p>
             <a:fld id="{C8A563C8-30E1-EE49-B86D-0EE4EF74EEEE}" type="datetimeFigureOut">
               <a:rPr lang="en-US" smtClean="0"/>
-              <a:t>8/23/18</a:t>
+              <a:t>8/28/18</a:t>
             </a:fld>
             <a:endParaRPr lang="en-US"/>
           </a:p>
@@ -6686,7 +6689,7 @@
           <a:p>
             <a:fld id="{C8A563C8-30E1-EE49-B86D-0EE4EF74EEEE}" type="datetimeFigureOut">
               <a:rPr lang="en-US" smtClean="0"/>
-              <a:t>8/23/18</a:t>
+              <a:t>8/28/18</a:t>
             </a:fld>
             <a:endParaRPr lang="en-US"/>
           </a:p>
